--- a/doc/Abu-CHUG10212110.pptx
+++ b/doc/Abu-CHUG10212110.pptx
@@ -7591,7 +7591,6 @@
               <a:rPr lang="en-US" dirty="0" smtClean="0"/>
               <a:t>: </a:t>
             </a:r>
-            <a:endParaRPr lang="en-US" dirty="0" smtClean="0"/>
           </a:p>
           <a:p>
             <a:pPr lvl="1">
@@ -7601,13 +7600,7 @@
               <a:rPr lang="en-US" dirty="0" smtClean="0">
                 <a:hlinkClick r:id="rId2"/>
               </a:rPr>
-              <a:t>http</a:t>
-            </a:r>
-            <a:r>
-              <a:rPr lang="en-US" dirty="0" smtClean="0">
-                <a:hlinkClick r:id="rId2"/>
-              </a:rPr>
-              <a:t>://github.com/fujibee/jruby-on-hadoop</a:t>
+              <a:t>http://github.com/fujibee/jruby-on-hadoop</a:t>
             </a:r>
             <a:endParaRPr lang="en-US" dirty="0" smtClean="0"/>
           </a:p>
@@ -7633,13 +7626,7 @@
               <a:rPr lang="en-US" dirty="0" smtClean="0">
                 <a:hlinkClick r:id="rId3"/>
               </a:rPr>
-              <a:t>http</a:t>
-            </a:r>
-            <a:r>
-              <a:rPr lang="en-US" dirty="0" smtClean="0">
-                <a:hlinkClick r:id="rId3"/>
-              </a:rPr>
-              <a:t>://github.com/fujibee/hadoop-papyrus</a:t>
+              <a:t>http://github.com/fujibee/hadoop-papyrus</a:t>
             </a:r>
             <a:r>
               <a:rPr lang="en-US" dirty="0" smtClean="0"/>
@@ -7656,6 +7643,13 @@
   <p:clrMapOvr>
     <a:masterClrMapping/>
   </p:clrMapOvr>
+  <p:timing>
+    <p:tnLst>
+      <p:par>
+        <p:cTn id="1" dur="indefinite" restart="never" nodeType="tmRoot"/>
+      </p:par>
+    </p:tnLst>
+  </p:timing>
 </p:sld>
 </file>
 
@@ -7726,39 +7720,23 @@
               <a:rPr lang="en-US" sz="3600" dirty="0" smtClean="0"/>
               <a:t>Interested? </a:t>
             </a:r>
-            <a:endParaRPr lang="en-US" sz="3600" dirty="0" smtClean="0"/>
           </a:p>
           <a:p>
             <a:pPr lvl="1"/>
             <a:r>
               <a:rPr lang="en-US" sz="2400" dirty="0" smtClean="0"/>
-              <a:t>Join </a:t>
-            </a:r>
-            <a:r>
-              <a:rPr lang="en-US" sz="2400" dirty="0" smtClean="0"/>
-              <a:t>me or fork away </a:t>
-            </a:r>
-            <a:r>
-              <a:rPr lang="en-US" sz="2400" dirty="0" smtClean="0"/>
-              <a:t>: </a:t>
+              <a:t>Join me or fork away : </a:t>
             </a:r>
             <a:r>
               <a:rPr lang="en-US" sz="2400" dirty="0" smtClean="0">
                 <a:hlinkClick r:id="rId2"/>
               </a:rPr>
-              <a:t>http</a:t>
-            </a:r>
-            <a:r>
-              <a:rPr lang="en-US" sz="2400" dirty="0" smtClean="0">
-                <a:hlinkClick r:id="rId2"/>
-              </a:rPr>
-              <a:t>://github.com/vinodkd/abu</a:t>
+              <a:t>http://github.com/vinodkd/abu</a:t>
             </a:r>
             <a:r>
               <a:rPr lang="en-US" sz="2400" dirty="0" smtClean="0"/>
               <a:t> </a:t>
             </a:r>
-            <a:endParaRPr lang="en-US" sz="2400" dirty="0" smtClean="0"/>
           </a:p>
           <a:p>
             <a:pPr lvl="1"/>
@@ -7786,7 +7764,6 @@
               <a:rPr lang="en-US" sz="2400" dirty="0" smtClean="0"/>
               <a:t> </a:t>
             </a:r>
-            <a:endParaRPr lang="en-US" sz="2400" dirty="0" smtClean="0"/>
           </a:p>
           <a:p>
             <a:pPr lvl="1"/>
